--- a/ppt 16-9/0497.羊啊羊！那么多.pptx
+++ b/ppt 16-9/0497.羊啊羊！那么多.pptx
@@ -129,7 +129,7 @@
           <p:cNvPr id="2" name="标题 1">
             <a:extLst>
               <a:ext uri="{FF2B5EF4-FFF2-40B4-BE49-F238E27FC236}">
-                <a16:creationId xmlns:a16="http://schemas.microsoft.com/office/drawing/2014/main" id="{22781A1E-A344-DE3F-6EF1-FF2AA2EC1B29}"/>
+                <a16:creationId xmlns:a16="http://schemas.microsoft.com/office/drawing/2014/main" id="{CD31A198-2A53-7166-AD45-7EA1ECBF39EE}"/>
               </a:ext>
             </a:extLst>
           </p:cNvPr>
@@ -166,7 +166,7 @@
           <p:cNvPr id="3" name="副标题 2">
             <a:extLst>
               <a:ext uri="{FF2B5EF4-FFF2-40B4-BE49-F238E27FC236}">
-                <a16:creationId xmlns:a16="http://schemas.microsoft.com/office/drawing/2014/main" id="{E6126B06-2D35-D672-EEE6-6B2C4E30D50B}"/>
+                <a16:creationId xmlns:a16="http://schemas.microsoft.com/office/drawing/2014/main" id="{5EE0047E-91B4-FEBA-1979-08672E2ADDE4}"/>
               </a:ext>
             </a:extLst>
           </p:cNvPr>
@@ -236,7 +236,7 @@
           <p:cNvPr id="4" name="日期占位符 3">
             <a:extLst>
               <a:ext uri="{FF2B5EF4-FFF2-40B4-BE49-F238E27FC236}">
-                <a16:creationId xmlns:a16="http://schemas.microsoft.com/office/drawing/2014/main" id="{90F131F3-EAD5-A2C0-CE31-4036CE44F02E}"/>
+                <a16:creationId xmlns:a16="http://schemas.microsoft.com/office/drawing/2014/main" id="{4601CA68-BDD1-B7E2-E986-359447C53549}"/>
               </a:ext>
             </a:extLst>
           </p:cNvPr>
@@ -252,7 +252,7 @@
           <a:bodyPr/>
           <a:lstStyle/>
           <a:p>
-            <a:fld id="{26A4CC2D-D6F2-4EAB-BB01-5B03C644B92E}" type="datetimeFigureOut">
+            <a:fld id="{4E44E1E2-BF9E-4D1D-B0D3-4F9EEB209840}" type="datetimeFigureOut">
               <a:rPr lang="zh-CN" altLang="en-US" smtClean="0"/>
               <a:t>2024/3/10</a:t>
             </a:fld>
@@ -265,7 +265,7 @@
           <p:cNvPr id="5" name="页脚占位符 4">
             <a:extLst>
               <a:ext uri="{FF2B5EF4-FFF2-40B4-BE49-F238E27FC236}">
-                <a16:creationId xmlns:a16="http://schemas.microsoft.com/office/drawing/2014/main" id="{8F5528A1-7390-DF3A-76AD-CA701055E147}"/>
+                <a16:creationId xmlns:a16="http://schemas.microsoft.com/office/drawing/2014/main" id="{10194F36-50BD-A0F6-A455-714918C3D153}"/>
               </a:ext>
             </a:extLst>
           </p:cNvPr>
@@ -290,7 +290,7 @@
           <p:cNvPr id="6" name="灯片编号占位符 5">
             <a:extLst>
               <a:ext uri="{FF2B5EF4-FFF2-40B4-BE49-F238E27FC236}">
-                <a16:creationId xmlns:a16="http://schemas.microsoft.com/office/drawing/2014/main" id="{034EB0E5-553F-BB54-26EB-FB7622D387DC}"/>
+                <a16:creationId xmlns:a16="http://schemas.microsoft.com/office/drawing/2014/main" id="{C927E3CF-C1B8-1D5D-7685-EFDEBF803342}"/>
               </a:ext>
             </a:extLst>
           </p:cNvPr>
@@ -306,7 +306,7 @@
           <a:bodyPr/>
           <a:lstStyle/>
           <a:p>
-            <a:fld id="{9403AB13-A3C3-4A68-8B25-D643BE0A320C}" type="slidenum">
+            <a:fld id="{A2E82DDB-7724-401E-AC08-F6F6A6371F26}" type="slidenum">
               <a:rPr lang="zh-CN" altLang="en-US" smtClean="0"/>
               <a:t>‹#›</a:t>
             </a:fld>
@@ -317,7 +317,7 @@
     </p:spTree>
     <p:extLst>
       <p:ext uri="{BB962C8B-B14F-4D97-AF65-F5344CB8AC3E}">
-        <p14:creationId xmlns:p14="http://schemas.microsoft.com/office/powerpoint/2010/main" val="2138805378"/>
+        <p14:creationId xmlns:p14="http://schemas.microsoft.com/office/powerpoint/2010/main" val="3317826195"/>
       </p:ext>
     </p:extLst>
   </p:cSld>
@@ -349,7 +349,7 @@
           <p:cNvPr id="2" name="标题 1">
             <a:extLst>
               <a:ext uri="{FF2B5EF4-FFF2-40B4-BE49-F238E27FC236}">
-                <a16:creationId xmlns:a16="http://schemas.microsoft.com/office/drawing/2014/main" id="{D6994F9E-6D4D-EF9F-68B8-CFB3D66B80EB}"/>
+                <a16:creationId xmlns:a16="http://schemas.microsoft.com/office/drawing/2014/main" id="{B0ED1AE2-0387-D800-D98B-1E51592A017D}"/>
               </a:ext>
             </a:extLst>
           </p:cNvPr>
@@ -377,7 +377,7 @@
           <p:cNvPr id="3" name="竖排文字占位符 2">
             <a:extLst>
               <a:ext uri="{FF2B5EF4-FFF2-40B4-BE49-F238E27FC236}">
-                <a16:creationId xmlns:a16="http://schemas.microsoft.com/office/drawing/2014/main" id="{73016E40-F33A-740E-2302-32DC07BA9DBE}"/>
+                <a16:creationId xmlns:a16="http://schemas.microsoft.com/office/drawing/2014/main" id="{0DD1788F-7443-4DD4-EE0E-CD6D05440926}"/>
               </a:ext>
             </a:extLst>
           </p:cNvPr>
@@ -434,7 +434,7 @@
           <p:cNvPr id="4" name="日期占位符 3">
             <a:extLst>
               <a:ext uri="{FF2B5EF4-FFF2-40B4-BE49-F238E27FC236}">
-                <a16:creationId xmlns:a16="http://schemas.microsoft.com/office/drawing/2014/main" id="{CAA7BC87-9F9C-5940-B4B4-AD9D18433FB4}"/>
+                <a16:creationId xmlns:a16="http://schemas.microsoft.com/office/drawing/2014/main" id="{3CC17D32-7DAE-B47D-7A98-183CFEFF14EB}"/>
               </a:ext>
             </a:extLst>
           </p:cNvPr>
@@ -450,7 +450,7 @@
           <a:bodyPr/>
           <a:lstStyle/>
           <a:p>
-            <a:fld id="{26A4CC2D-D6F2-4EAB-BB01-5B03C644B92E}" type="datetimeFigureOut">
+            <a:fld id="{4E44E1E2-BF9E-4D1D-B0D3-4F9EEB209840}" type="datetimeFigureOut">
               <a:rPr lang="zh-CN" altLang="en-US" smtClean="0"/>
               <a:t>2024/3/10</a:t>
             </a:fld>
@@ -463,7 +463,7 @@
           <p:cNvPr id="5" name="页脚占位符 4">
             <a:extLst>
               <a:ext uri="{FF2B5EF4-FFF2-40B4-BE49-F238E27FC236}">
-                <a16:creationId xmlns:a16="http://schemas.microsoft.com/office/drawing/2014/main" id="{78639019-07AF-6103-DA9E-0EA5395B784F}"/>
+                <a16:creationId xmlns:a16="http://schemas.microsoft.com/office/drawing/2014/main" id="{5994A6DE-ED7F-4FAA-CC6D-18642E9FD30A}"/>
               </a:ext>
             </a:extLst>
           </p:cNvPr>
@@ -488,7 +488,7 @@
           <p:cNvPr id="6" name="灯片编号占位符 5">
             <a:extLst>
               <a:ext uri="{FF2B5EF4-FFF2-40B4-BE49-F238E27FC236}">
-                <a16:creationId xmlns:a16="http://schemas.microsoft.com/office/drawing/2014/main" id="{CC4B7371-630E-DF48-81B7-5BDAAACB904F}"/>
+                <a16:creationId xmlns:a16="http://schemas.microsoft.com/office/drawing/2014/main" id="{3092F82D-4863-3163-7791-9015265E8470}"/>
               </a:ext>
             </a:extLst>
           </p:cNvPr>
@@ -504,7 +504,7 @@
           <a:bodyPr/>
           <a:lstStyle/>
           <a:p>
-            <a:fld id="{9403AB13-A3C3-4A68-8B25-D643BE0A320C}" type="slidenum">
+            <a:fld id="{A2E82DDB-7724-401E-AC08-F6F6A6371F26}" type="slidenum">
               <a:rPr lang="zh-CN" altLang="en-US" smtClean="0"/>
               <a:t>‹#›</a:t>
             </a:fld>
@@ -515,7 +515,7 @@
     </p:spTree>
     <p:extLst>
       <p:ext uri="{BB962C8B-B14F-4D97-AF65-F5344CB8AC3E}">
-        <p14:creationId xmlns:p14="http://schemas.microsoft.com/office/powerpoint/2010/main" val="1978011846"/>
+        <p14:creationId xmlns:p14="http://schemas.microsoft.com/office/powerpoint/2010/main" val="3024687753"/>
       </p:ext>
     </p:extLst>
   </p:cSld>
@@ -547,7 +547,7 @@
           <p:cNvPr id="2" name="竖排标题 1">
             <a:extLst>
               <a:ext uri="{FF2B5EF4-FFF2-40B4-BE49-F238E27FC236}">
-                <a16:creationId xmlns:a16="http://schemas.microsoft.com/office/drawing/2014/main" id="{42552404-1A9B-AC1A-1796-98DF55CB8D8D}"/>
+                <a16:creationId xmlns:a16="http://schemas.microsoft.com/office/drawing/2014/main" id="{E6979095-DDB2-35BF-8203-F05D702A166B}"/>
               </a:ext>
             </a:extLst>
           </p:cNvPr>
@@ -580,7 +580,7 @@
           <p:cNvPr id="3" name="竖排文字占位符 2">
             <a:extLst>
               <a:ext uri="{FF2B5EF4-FFF2-40B4-BE49-F238E27FC236}">
-                <a16:creationId xmlns:a16="http://schemas.microsoft.com/office/drawing/2014/main" id="{06F8007C-EF1A-D913-9780-C522B1DF4808}"/>
+                <a16:creationId xmlns:a16="http://schemas.microsoft.com/office/drawing/2014/main" id="{DEA3F835-D940-1BF5-A067-A9D35ABF1160}"/>
               </a:ext>
             </a:extLst>
           </p:cNvPr>
@@ -642,7 +642,7 @@
           <p:cNvPr id="4" name="日期占位符 3">
             <a:extLst>
               <a:ext uri="{FF2B5EF4-FFF2-40B4-BE49-F238E27FC236}">
-                <a16:creationId xmlns:a16="http://schemas.microsoft.com/office/drawing/2014/main" id="{86A35C22-56CE-4936-738F-A21EA44170EE}"/>
+                <a16:creationId xmlns:a16="http://schemas.microsoft.com/office/drawing/2014/main" id="{02C4FF93-8CDB-B998-A5F1-D5A2010A9543}"/>
               </a:ext>
             </a:extLst>
           </p:cNvPr>
@@ -658,7 +658,7 @@
           <a:bodyPr/>
           <a:lstStyle/>
           <a:p>
-            <a:fld id="{26A4CC2D-D6F2-4EAB-BB01-5B03C644B92E}" type="datetimeFigureOut">
+            <a:fld id="{4E44E1E2-BF9E-4D1D-B0D3-4F9EEB209840}" type="datetimeFigureOut">
               <a:rPr lang="zh-CN" altLang="en-US" smtClean="0"/>
               <a:t>2024/3/10</a:t>
             </a:fld>
@@ -671,7 +671,7 @@
           <p:cNvPr id="5" name="页脚占位符 4">
             <a:extLst>
               <a:ext uri="{FF2B5EF4-FFF2-40B4-BE49-F238E27FC236}">
-                <a16:creationId xmlns:a16="http://schemas.microsoft.com/office/drawing/2014/main" id="{4328B5CB-B0C2-85A0-ED0C-8F48570FA185}"/>
+                <a16:creationId xmlns:a16="http://schemas.microsoft.com/office/drawing/2014/main" id="{033C1EA8-7772-9F52-3267-F4136E5443B1}"/>
               </a:ext>
             </a:extLst>
           </p:cNvPr>
@@ -696,7 +696,7 @@
           <p:cNvPr id="6" name="灯片编号占位符 5">
             <a:extLst>
               <a:ext uri="{FF2B5EF4-FFF2-40B4-BE49-F238E27FC236}">
-                <a16:creationId xmlns:a16="http://schemas.microsoft.com/office/drawing/2014/main" id="{B4A64529-BDE2-7CD3-172E-026476330B21}"/>
+                <a16:creationId xmlns:a16="http://schemas.microsoft.com/office/drawing/2014/main" id="{BC6B22B1-C95E-A791-63FE-99FD2F74DBF6}"/>
               </a:ext>
             </a:extLst>
           </p:cNvPr>
@@ -712,7 +712,7 @@
           <a:bodyPr/>
           <a:lstStyle/>
           <a:p>
-            <a:fld id="{9403AB13-A3C3-4A68-8B25-D643BE0A320C}" type="slidenum">
+            <a:fld id="{A2E82DDB-7724-401E-AC08-F6F6A6371F26}" type="slidenum">
               <a:rPr lang="zh-CN" altLang="en-US" smtClean="0"/>
               <a:t>‹#›</a:t>
             </a:fld>
@@ -723,7 +723,7 @@
     </p:spTree>
     <p:extLst>
       <p:ext uri="{BB962C8B-B14F-4D97-AF65-F5344CB8AC3E}">
-        <p14:creationId xmlns:p14="http://schemas.microsoft.com/office/powerpoint/2010/main" val="2644856386"/>
+        <p14:creationId xmlns:p14="http://schemas.microsoft.com/office/powerpoint/2010/main" val="701037811"/>
       </p:ext>
     </p:extLst>
   </p:cSld>
@@ -755,7 +755,7 @@
           <p:cNvPr id="2" name="标题 1">
             <a:extLst>
               <a:ext uri="{FF2B5EF4-FFF2-40B4-BE49-F238E27FC236}">
-                <a16:creationId xmlns:a16="http://schemas.microsoft.com/office/drawing/2014/main" id="{6D231007-F25F-5103-4876-936A59942AC9}"/>
+                <a16:creationId xmlns:a16="http://schemas.microsoft.com/office/drawing/2014/main" id="{DDB00A68-F21B-24D0-AE50-F32DD2FE5958}"/>
               </a:ext>
             </a:extLst>
           </p:cNvPr>
@@ -783,7 +783,7 @@
           <p:cNvPr id="3" name="内容占位符 2">
             <a:extLst>
               <a:ext uri="{FF2B5EF4-FFF2-40B4-BE49-F238E27FC236}">
-                <a16:creationId xmlns:a16="http://schemas.microsoft.com/office/drawing/2014/main" id="{5C0CC930-1E3F-8D01-2AA7-AA65134B101E}"/>
+                <a16:creationId xmlns:a16="http://schemas.microsoft.com/office/drawing/2014/main" id="{F4E00F42-61BC-02B2-89B1-5A7B00344DE3}"/>
               </a:ext>
             </a:extLst>
           </p:cNvPr>
@@ -840,7 +840,7 @@
           <p:cNvPr id="4" name="日期占位符 3">
             <a:extLst>
               <a:ext uri="{FF2B5EF4-FFF2-40B4-BE49-F238E27FC236}">
-                <a16:creationId xmlns:a16="http://schemas.microsoft.com/office/drawing/2014/main" id="{E570E56E-0847-99A3-B929-BBB6C6CCF342}"/>
+                <a16:creationId xmlns:a16="http://schemas.microsoft.com/office/drawing/2014/main" id="{3B85597F-9CDC-A759-E7EC-399534CB5DCF}"/>
               </a:ext>
             </a:extLst>
           </p:cNvPr>
@@ -856,7 +856,7 @@
           <a:bodyPr/>
           <a:lstStyle/>
           <a:p>
-            <a:fld id="{26A4CC2D-D6F2-4EAB-BB01-5B03C644B92E}" type="datetimeFigureOut">
+            <a:fld id="{4E44E1E2-BF9E-4D1D-B0D3-4F9EEB209840}" type="datetimeFigureOut">
               <a:rPr lang="zh-CN" altLang="en-US" smtClean="0"/>
               <a:t>2024/3/10</a:t>
             </a:fld>
@@ -869,7 +869,7 @@
           <p:cNvPr id="5" name="页脚占位符 4">
             <a:extLst>
               <a:ext uri="{FF2B5EF4-FFF2-40B4-BE49-F238E27FC236}">
-                <a16:creationId xmlns:a16="http://schemas.microsoft.com/office/drawing/2014/main" id="{9588355B-4CC8-7B28-50F2-3AD9EB7F30B7}"/>
+                <a16:creationId xmlns:a16="http://schemas.microsoft.com/office/drawing/2014/main" id="{27BE17E6-8280-8D9A-C5DD-D6C5ADAF5EF3}"/>
               </a:ext>
             </a:extLst>
           </p:cNvPr>
@@ -894,7 +894,7 @@
           <p:cNvPr id="6" name="灯片编号占位符 5">
             <a:extLst>
               <a:ext uri="{FF2B5EF4-FFF2-40B4-BE49-F238E27FC236}">
-                <a16:creationId xmlns:a16="http://schemas.microsoft.com/office/drawing/2014/main" id="{41769F6A-A82E-54B6-DDE5-0D22046FEDFD}"/>
+                <a16:creationId xmlns:a16="http://schemas.microsoft.com/office/drawing/2014/main" id="{9E3122E2-4E87-803D-8C98-68B625553C82}"/>
               </a:ext>
             </a:extLst>
           </p:cNvPr>
@@ -910,7 +910,7 @@
           <a:bodyPr/>
           <a:lstStyle/>
           <a:p>
-            <a:fld id="{9403AB13-A3C3-4A68-8B25-D643BE0A320C}" type="slidenum">
+            <a:fld id="{A2E82DDB-7724-401E-AC08-F6F6A6371F26}" type="slidenum">
               <a:rPr lang="zh-CN" altLang="en-US" smtClean="0"/>
               <a:t>‹#›</a:t>
             </a:fld>
@@ -921,7 +921,7 @@
     </p:spTree>
     <p:extLst>
       <p:ext uri="{BB962C8B-B14F-4D97-AF65-F5344CB8AC3E}">
-        <p14:creationId xmlns:p14="http://schemas.microsoft.com/office/powerpoint/2010/main" val="3410210721"/>
+        <p14:creationId xmlns:p14="http://schemas.microsoft.com/office/powerpoint/2010/main" val="1428001884"/>
       </p:ext>
     </p:extLst>
   </p:cSld>
@@ -953,7 +953,7 @@
           <p:cNvPr id="2" name="标题 1">
             <a:extLst>
               <a:ext uri="{FF2B5EF4-FFF2-40B4-BE49-F238E27FC236}">
-                <a16:creationId xmlns:a16="http://schemas.microsoft.com/office/drawing/2014/main" id="{E6CA3A9A-AE65-768C-051C-1BC96318957B}"/>
+                <a16:creationId xmlns:a16="http://schemas.microsoft.com/office/drawing/2014/main" id="{32DAAA44-BDAC-4E43-4453-1AE1D7BC13E3}"/>
               </a:ext>
             </a:extLst>
           </p:cNvPr>
@@ -990,7 +990,7 @@
           <p:cNvPr id="3" name="文本占位符 2">
             <a:extLst>
               <a:ext uri="{FF2B5EF4-FFF2-40B4-BE49-F238E27FC236}">
-                <a16:creationId xmlns:a16="http://schemas.microsoft.com/office/drawing/2014/main" id="{9326F204-9D9E-870A-9223-C4E178545564}"/>
+                <a16:creationId xmlns:a16="http://schemas.microsoft.com/office/drawing/2014/main" id="{4CC2C293-133F-3D43-6924-319A6939D032}"/>
               </a:ext>
             </a:extLst>
           </p:cNvPr>
@@ -1115,7 +1115,7 @@
           <p:cNvPr id="4" name="日期占位符 3">
             <a:extLst>
               <a:ext uri="{FF2B5EF4-FFF2-40B4-BE49-F238E27FC236}">
-                <a16:creationId xmlns:a16="http://schemas.microsoft.com/office/drawing/2014/main" id="{FC324A08-D008-C195-CECC-55F6F26B76E1}"/>
+                <a16:creationId xmlns:a16="http://schemas.microsoft.com/office/drawing/2014/main" id="{406E4D30-6DB3-5FC3-25D7-145489C265E0}"/>
               </a:ext>
             </a:extLst>
           </p:cNvPr>
@@ -1131,7 +1131,7 @@
           <a:bodyPr/>
           <a:lstStyle/>
           <a:p>
-            <a:fld id="{26A4CC2D-D6F2-4EAB-BB01-5B03C644B92E}" type="datetimeFigureOut">
+            <a:fld id="{4E44E1E2-BF9E-4D1D-B0D3-4F9EEB209840}" type="datetimeFigureOut">
               <a:rPr lang="zh-CN" altLang="en-US" smtClean="0"/>
               <a:t>2024/3/10</a:t>
             </a:fld>
@@ -1144,7 +1144,7 @@
           <p:cNvPr id="5" name="页脚占位符 4">
             <a:extLst>
               <a:ext uri="{FF2B5EF4-FFF2-40B4-BE49-F238E27FC236}">
-                <a16:creationId xmlns:a16="http://schemas.microsoft.com/office/drawing/2014/main" id="{975530D6-BAB4-DC63-F895-2FB5CBE1AC00}"/>
+                <a16:creationId xmlns:a16="http://schemas.microsoft.com/office/drawing/2014/main" id="{2A48E07F-FEED-4632-87B0-B38D1A5C53DE}"/>
               </a:ext>
             </a:extLst>
           </p:cNvPr>
@@ -1169,7 +1169,7 @@
           <p:cNvPr id="6" name="灯片编号占位符 5">
             <a:extLst>
               <a:ext uri="{FF2B5EF4-FFF2-40B4-BE49-F238E27FC236}">
-                <a16:creationId xmlns:a16="http://schemas.microsoft.com/office/drawing/2014/main" id="{A414C4A5-ADE2-CE6B-EF18-0AFB17911C10}"/>
+                <a16:creationId xmlns:a16="http://schemas.microsoft.com/office/drawing/2014/main" id="{3ADC2072-3007-D2FE-A8A7-1322F141D4B8}"/>
               </a:ext>
             </a:extLst>
           </p:cNvPr>
@@ -1185,7 +1185,7 @@
           <a:bodyPr/>
           <a:lstStyle/>
           <a:p>
-            <a:fld id="{9403AB13-A3C3-4A68-8B25-D643BE0A320C}" type="slidenum">
+            <a:fld id="{A2E82DDB-7724-401E-AC08-F6F6A6371F26}" type="slidenum">
               <a:rPr lang="zh-CN" altLang="en-US" smtClean="0"/>
               <a:t>‹#›</a:t>
             </a:fld>
@@ -1196,7 +1196,7 @@
     </p:spTree>
     <p:extLst>
       <p:ext uri="{BB962C8B-B14F-4D97-AF65-F5344CB8AC3E}">
-        <p14:creationId xmlns:p14="http://schemas.microsoft.com/office/powerpoint/2010/main" val="3212669214"/>
+        <p14:creationId xmlns:p14="http://schemas.microsoft.com/office/powerpoint/2010/main" val="79600421"/>
       </p:ext>
     </p:extLst>
   </p:cSld>
@@ -1228,7 +1228,7 @@
           <p:cNvPr id="2" name="标题 1">
             <a:extLst>
               <a:ext uri="{FF2B5EF4-FFF2-40B4-BE49-F238E27FC236}">
-                <a16:creationId xmlns:a16="http://schemas.microsoft.com/office/drawing/2014/main" id="{98FACBBD-8D0E-C680-7DA4-67F793F09B67}"/>
+                <a16:creationId xmlns:a16="http://schemas.microsoft.com/office/drawing/2014/main" id="{D1388BD0-4689-9B22-E19E-3272BABA791B}"/>
               </a:ext>
             </a:extLst>
           </p:cNvPr>
@@ -1256,7 +1256,7 @@
           <p:cNvPr id="3" name="内容占位符 2">
             <a:extLst>
               <a:ext uri="{FF2B5EF4-FFF2-40B4-BE49-F238E27FC236}">
-                <a16:creationId xmlns:a16="http://schemas.microsoft.com/office/drawing/2014/main" id="{D8FBF971-8DD3-9FD2-26C1-302522245FA2}"/>
+                <a16:creationId xmlns:a16="http://schemas.microsoft.com/office/drawing/2014/main" id="{43927903-20D6-2B55-F3E0-924CCDA6B79F}"/>
               </a:ext>
             </a:extLst>
           </p:cNvPr>
@@ -1318,7 +1318,7 @@
           <p:cNvPr id="4" name="内容占位符 3">
             <a:extLst>
               <a:ext uri="{FF2B5EF4-FFF2-40B4-BE49-F238E27FC236}">
-                <a16:creationId xmlns:a16="http://schemas.microsoft.com/office/drawing/2014/main" id="{B040513B-483B-DF2B-F9B4-0EA00CA6C747}"/>
+                <a16:creationId xmlns:a16="http://schemas.microsoft.com/office/drawing/2014/main" id="{6813CF09-AA6C-13E0-0471-42FE8DE2C625}"/>
               </a:ext>
             </a:extLst>
           </p:cNvPr>
@@ -1380,7 +1380,7 @@
           <p:cNvPr id="5" name="日期占位符 4">
             <a:extLst>
               <a:ext uri="{FF2B5EF4-FFF2-40B4-BE49-F238E27FC236}">
-                <a16:creationId xmlns:a16="http://schemas.microsoft.com/office/drawing/2014/main" id="{493DE1A7-E894-74E5-1D94-B582420F72DF}"/>
+                <a16:creationId xmlns:a16="http://schemas.microsoft.com/office/drawing/2014/main" id="{210C64E0-9A66-987D-60F7-2D2E98F27260}"/>
               </a:ext>
             </a:extLst>
           </p:cNvPr>
@@ -1396,7 +1396,7 @@
           <a:bodyPr/>
           <a:lstStyle/>
           <a:p>
-            <a:fld id="{26A4CC2D-D6F2-4EAB-BB01-5B03C644B92E}" type="datetimeFigureOut">
+            <a:fld id="{4E44E1E2-BF9E-4D1D-B0D3-4F9EEB209840}" type="datetimeFigureOut">
               <a:rPr lang="zh-CN" altLang="en-US" smtClean="0"/>
               <a:t>2024/3/10</a:t>
             </a:fld>
@@ -1409,7 +1409,7 @@
           <p:cNvPr id="6" name="页脚占位符 5">
             <a:extLst>
               <a:ext uri="{FF2B5EF4-FFF2-40B4-BE49-F238E27FC236}">
-                <a16:creationId xmlns:a16="http://schemas.microsoft.com/office/drawing/2014/main" id="{D1171F21-273C-B9AF-290A-521F066A752C}"/>
+                <a16:creationId xmlns:a16="http://schemas.microsoft.com/office/drawing/2014/main" id="{48ADEF03-6FB7-92AA-C781-EB4E92DBB0F8}"/>
               </a:ext>
             </a:extLst>
           </p:cNvPr>
@@ -1434,7 +1434,7 @@
           <p:cNvPr id="7" name="灯片编号占位符 6">
             <a:extLst>
               <a:ext uri="{FF2B5EF4-FFF2-40B4-BE49-F238E27FC236}">
-                <a16:creationId xmlns:a16="http://schemas.microsoft.com/office/drawing/2014/main" id="{3F95CB7A-1C9B-D3EB-8BBA-3FFC3A93686A}"/>
+                <a16:creationId xmlns:a16="http://schemas.microsoft.com/office/drawing/2014/main" id="{7756C5C2-2CF5-1E38-2EF3-714A87975CAE}"/>
               </a:ext>
             </a:extLst>
           </p:cNvPr>
@@ -1450,7 +1450,7 @@
           <a:bodyPr/>
           <a:lstStyle/>
           <a:p>
-            <a:fld id="{9403AB13-A3C3-4A68-8B25-D643BE0A320C}" type="slidenum">
+            <a:fld id="{A2E82DDB-7724-401E-AC08-F6F6A6371F26}" type="slidenum">
               <a:rPr lang="zh-CN" altLang="en-US" smtClean="0"/>
               <a:t>‹#›</a:t>
             </a:fld>
@@ -1461,7 +1461,7 @@
     </p:spTree>
     <p:extLst>
       <p:ext uri="{BB962C8B-B14F-4D97-AF65-F5344CB8AC3E}">
-        <p14:creationId xmlns:p14="http://schemas.microsoft.com/office/powerpoint/2010/main" val="3015685012"/>
+        <p14:creationId xmlns:p14="http://schemas.microsoft.com/office/powerpoint/2010/main" val="3549367800"/>
       </p:ext>
     </p:extLst>
   </p:cSld>
@@ -1493,7 +1493,7 @@
           <p:cNvPr id="2" name="标题 1">
             <a:extLst>
               <a:ext uri="{FF2B5EF4-FFF2-40B4-BE49-F238E27FC236}">
-                <a16:creationId xmlns:a16="http://schemas.microsoft.com/office/drawing/2014/main" id="{0190AE0B-E132-6F26-41C7-C58A4804473D}"/>
+                <a16:creationId xmlns:a16="http://schemas.microsoft.com/office/drawing/2014/main" id="{35646A62-F0D5-A38E-1F2E-325AA8AD56C1}"/>
               </a:ext>
             </a:extLst>
           </p:cNvPr>
@@ -1526,7 +1526,7 @@
           <p:cNvPr id="3" name="文本占位符 2">
             <a:extLst>
               <a:ext uri="{FF2B5EF4-FFF2-40B4-BE49-F238E27FC236}">
-                <a16:creationId xmlns:a16="http://schemas.microsoft.com/office/drawing/2014/main" id="{4B5D893B-D4EC-08B5-8DB4-E4EBB1083EF4}"/>
+                <a16:creationId xmlns:a16="http://schemas.microsoft.com/office/drawing/2014/main" id="{2DC2AC10-2752-F3D8-F373-B01573F3F107}"/>
               </a:ext>
             </a:extLst>
           </p:cNvPr>
@@ -1597,7 +1597,7 @@
           <p:cNvPr id="4" name="内容占位符 3">
             <a:extLst>
               <a:ext uri="{FF2B5EF4-FFF2-40B4-BE49-F238E27FC236}">
-                <a16:creationId xmlns:a16="http://schemas.microsoft.com/office/drawing/2014/main" id="{729F5493-7204-B24B-1AEF-F7EFD93E902B}"/>
+                <a16:creationId xmlns:a16="http://schemas.microsoft.com/office/drawing/2014/main" id="{7BC10857-FD4F-885A-7BD7-8B964BE72214}"/>
               </a:ext>
             </a:extLst>
           </p:cNvPr>
@@ -1659,7 +1659,7 @@
           <p:cNvPr id="5" name="文本占位符 4">
             <a:extLst>
               <a:ext uri="{FF2B5EF4-FFF2-40B4-BE49-F238E27FC236}">
-                <a16:creationId xmlns:a16="http://schemas.microsoft.com/office/drawing/2014/main" id="{1FD474B1-DDB0-3200-D726-8CE72FBF86BD}"/>
+                <a16:creationId xmlns:a16="http://schemas.microsoft.com/office/drawing/2014/main" id="{1864557F-A7C5-67E8-810E-837C3BD994A6}"/>
               </a:ext>
             </a:extLst>
           </p:cNvPr>
@@ -1730,7 +1730,7 @@
           <p:cNvPr id="6" name="内容占位符 5">
             <a:extLst>
               <a:ext uri="{FF2B5EF4-FFF2-40B4-BE49-F238E27FC236}">
-                <a16:creationId xmlns:a16="http://schemas.microsoft.com/office/drawing/2014/main" id="{144CE51F-DC1C-3984-0870-AC8E6260B273}"/>
+                <a16:creationId xmlns:a16="http://schemas.microsoft.com/office/drawing/2014/main" id="{AA0C7F6B-7252-80E6-6F2F-971525E549D8}"/>
               </a:ext>
             </a:extLst>
           </p:cNvPr>
@@ -1792,7 +1792,7 @@
           <p:cNvPr id="7" name="日期占位符 6">
             <a:extLst>
               <a:ext uri="{FF2B5EF4-FFF2-40B4-BE49-F238E27FC236}">
-                <a16:creationId xmlns:a16="http://schemas.microsoft.com/office/drawing/2014/main" id="{3C65FA01-9188-A6F6-9AEF-C853F26ACD6E}"/>
+                <a16:creationId xmlns:a16="http://schemas.microsoft.com/office/drawing/2014/main" id="{DAEE61B4-9599-5498-CA98-A2A6B80FC241}"/>
               </a:ext>
             </a:extLst>
           </p:cNvPr>
@@ -1808,7 +1808,7 @@
           <a:bodyPr/>
           <a:lstStyle/>
           <a:p>
-            <a:fld id="{26A4CC2D-D6F2-4EAB-BB01-5B03C644B92E}" type="datetimeFigureOut">
+            <a:fld id="{4E44E1E2-BF9E-4D1D-B0D3-4F9EEB209840}" type="datetimeFigureOut">
               <a:rPr lang="zh-CN" altLang="en-US" smtClean="0"/>
               <a:t>2024/3/10</a:t>
             </a:fld>
@@ -1821,7 +1821,7 @@
           <p:cNvPr id="8" name="页脚占位符 7">
             <a:extLst>
               <a:ext uri="{FF2B5EF4-FFF2-40B4-BE49-F238E27FC236}">
-                <a16:creationId xmlns:a16="http://schemas.microsoft.com/office/drawing/2014/main" id="{DCD65204-21BE-00CA-95E4-F0E7709F023D}"/>
+                <a16:creationId xmlns:a16="http://schemas.microsoft.com/office/drawing/2014/main" id="{CC4BBA62-7144-3CF9-86FE-797F72CBFAD5}"/>
               </a:ext>
             </a:extLst>
           </p:cNvPr>
@@ -1846,7 +1846,7 @@
           <p:cNvPr id="9" name="灯片编号占位符 8">
             <a:extLst>
               <a:ext uri="{FF2B5EF4-FFF2-40B4-BE49-F238E27FC236}">
-                <a16:creationId xmlns:a16="http://schemas.microsoft.com/office/drawing/2014/main" id="{08B83134-E415-8400-F0C6-165AB8BAE722}"/>
+                <a16:creationId xmlns:a16="http://schemas.microsoft.com/office/drawing/2014/main" id="{7AE56EFA-4599-3327-47AB-976F3B573A0B}"/>
               </a:ext>
             </a:extLst>
           </p:cNvPr>
@@ -1862,7 +1862,7 @@
           <a:bodyPr/>
           <a:lstStyle/>
           <a:p>
-            <a:fld id="{9403AB13-A3C3-4A68-8B25-D643BE0A320C}" type="slidenum">
+            <a:fld id="{A2E82DDB-7724-401E-AC08-F6F6A6371F26}" type="slidenum">
               <a:rPr lang="zh-CN" altLang="en-US" smtClean="0"/>
               <a:t>‹#›</a:t>
             </a:fld>
@@ -1873,7 +1873,7 @@
     </p:spTree>
     <p:extLst>
       <p:ext uri="{BB962C8B-B14F-4D97-AF65-F5344CB8AC3E}">
-        <p14:creationId xmlns:p14="http://schemas.microsoft.com/office/powerpoint/2010/main" val="3804681029"/>
+        <p14:creationId xmlns:p14="http://schemas.microsoft.com/office/powerpoint/2010/main" val="3839326945"/>
       </p:ext>
     </p:extLst>
   </p:cSld>
@@ -1905,7 +1905,7 @@
           <p:cNvPr id="2" name="标题 1">
             <a:extLst>
               <a:ext uri="{FF2B5EF4-FFF2-40B4-BE49-F238E27FC236}">
-                <a16:creationId xmlns:a16="http://schemas.microsoft.com/office/drawing/2014/main" id="{EBAB1160-E159-8B16-31B6-1103E490F092}"/>
+                <a16:creationId xmlns:a16="http://schemas.microsoft.com/office/drawing/2014/main" id="{09DCF8CB-D8FD-DBD3-0E10-952389A22D32}"/>
               </a:ext>
             </a:extLst>
           </p:cNvPr>
@@ -1933,7 +1933,7 @@
           <p:cNvPr id="3" name="日期占位符 2">
             <a:extLst>
               <a:ext uri="{FF2B5EF4-FFF2-40B4-BE49-F238E27FC236}">
-                <a16:creationId xmlns:a16="http://schemas.microsoft.com/office/drawing/2014/main" id="{3A898818-F5FF-6C19-8430-C7110A91715F}"/>
+                <a16:creationId xmlns:a16="http://schemas.microsoft.com/office/drawing/2014/main" id="{3E7966BA-5A83-47D3-774C-3773FDBE86DE}"/>
               </a:ext>
             </a:extLst>
           </p:cNvPr>
@@ -1949,7 +1949,7 @@
           <a:bodyPr/>
           <a:lstStyle/>
           <a:p>
-            <a:fld id="{26A4CC2D-D6F2-4EAB-BB01-5B03C644B92E}" type="datetimeFigureOut">
+            <a:fld id="{4E44E1E2-BF9E-4D1D-B0D3-4F9EEB209840}" type="datetimeFigureOut">
               <a:rPr lang="zh-CN" altLang="en-US" smtClean="0"/>
               <a:t>2024/3/10</a:t>
             </a:fld>
@@ -1962,7 +1962,7 @@
           <p:cNvPr id="4" name="页脚占位符 3">
             <a:extLst>
               <a:ext uri="{FF2B5EF4-FFF2-40B4-BE49-F238E27FC236}">
-                <a16:creationId xmlns:a16="http://schemas.microsoft.com/office/drawing/2014/main" id="{350E5B33-330B-F5D8-0078-A6D8701E6764}"/>
+                <a16:creationId xmlns:a16="http://schemas.microsoft.com/office/drawing/2014/main" id="{7BC9217A-BE79-9FA8-82A4-DEE5958DBF3C}"/>
               </a:ext>
             </a:extLst>
           </p:cNvPr>
@@ -1987,7 +1987,7 @@
           <p:cNvPr id="5" name="灯片编号占位符 4">
             <a:extLst>
               <a:ext uri="{FF2B5EF4-FFF2-40B4-BE49-F238E27FC236}">
-                <a16:creationId xmlns:a16="http://schemas.microsoft.com/office/drawing/2014/main" id="{26D8CFF8-D063-14C2-9FAC-7D11629A654D}"/>
+                <a16:creationId xmlns:a16="http://schemas.microsoft.com/office/drawing/2014/main" id="{9DA66937-D72E-B38A-5241-622AFAF13F4C}"/>
               </a:ext>
             </a:extLst>
           </p:cNvPr>
@@ -2003,7 +2003,7 @@
           <a:bodyPr/>
           <a:lstStyle/>
           <a:p>
-            <a:fld id="{9403AB13-A3C3-4A68-8B25-D643BE0A320C}" type="slidenum">
+            <a:fld id="{A2E82DDB-7724-401E-AC08-F6F6A6371F26}" type="slidenum">
               <a:rPr lang="zh-CN" altLang="en-US" smtClean="0"/>
               <a:t>‹#›</a:t>
             </a:fld>
@@ -2014,7 +2014,7 @@
     </p:spTree>
     <p:extLst>
       <p:ext uri="{BB962C8B-B14F-4D97-AF65-F5344CB8AC3E}">
-        <p14:creationId xmlns:p14="http://schemas.microsoft.com/office/powerpoint/2010/main" val="3112805537"/>
+        <p14:creationId xmlns:p14="http://schemas.microsoft.com/office/powerpoint/2010/main" val="1227274472"/>
       </p:ext>
     </p:extLst>
   </p:cSld>
@@ -2046,7 +2046,7 @@
           <p:cNvPr id="2" name="日期占位符 1">
             <a:extLst>
               <a:ext uri="{FF2B5EF4-FFF2-40B4-BE49-F238E27FC236}">
-                <a16:creationId xmlns:a16="http://schemas.microsoft.com/office/drawing/2014/main" id="{0A7CEF03-BBA0-E1A0-5DA8-A4C32E88CFDC}"/>
+                <a16:creationId xmlns:a16="http://schemas.microsoft.com/office/drawing/2014/main" id="{2478EEE4-A02D-D322-5764-9EE8EAE5B25B}"/>
               </a:ext>
             </a:extLst>
           </p:cNvPr>
@@ -2062,7 +2062,7 @@
           <a:bodyPr/>
           <a:lstStyle/>
           <a:p>
-            <a:fld id="{26A4CC2D-D6F2-4EAB-BB01-5B03C644B92E}" type="datetimeFigureOut">
+            <a:fld id="{4E44E1E2-BF9E-4D1D-B0D3-4F9EEB209840}" type="datetimeFigureOut">
               <a:rPr lang="zh-CN" altLang="en-US" smtClean="0"/>
               <a:t>2024/3/10</a:t>
             </a:fld>
@@ -2075,7 +2075,7 @@
           <p:cNvPr id="3" name="页脚占位符 2">
             <a:extLst>
               <a:ext uri="{FF2B5EF4-FFF2-40B4-BE49-F238E27FC236}">
-                <a16:creationId xmlns:a16="http://schemas.microsoft.com/office/drawing/2014/main" id="{C213BF53-A5F9-9037-C7EB-A2B345D05143}"/>
+                <a16:creationId xmlns:a16="http://schemas.microsoft.com/office/drawing/2014/main" id="{D1785C5D-0A5B-195F-0122-160FCF8D4ED3}"/>
               </a:ext>
             </a:extLst>
           </p:cNvPr>
@@ -2100,7 +2100,7 @@
           <p:cNvPr id="4" name="灯片编号占位符 3">
             <a:extLst>
               <a:ext uri="{FF2B5EF4-FFF2-40B4-BE49-F238E27FC236}">
-                <a16:creationId xmlns:a16="http://schemas.microsoft.com/office/drawing/2014/main" id="{96990E1E-E31B-47BC-AF32-B185E7F23CC0}"/>
+                <a16:creationId xmlns:a16="http://schemas.microsoft.com/office/drawing/2014/main" id="{C21999AA-41B8-4C4F-CF0B-2D0EB6167A38}"/>
               </a:ext>
             </a:extLst>
           </p:cNvPr>
@@ -2116,7 +2116,7 @@
           <a:bodyPr/>
           <a:lstStyle/>
           <a:p>
-            <a:fld id="{9403AB13-A3C3-4A68-8B25-D643BE0A320C}" type="slidenum">
+            <a:fld id="{A2E82DDB-7724-401E-AC08-F6F6A6371F26}" type="slidenum">
               <a:rPr lang="zh-CN" altLang="en-US" smtClean="0"/>
               <a:t>‹#›</a:t>
             </a:fld>
@@ -2127,7 +2127,7 @@
     </p:spTree>
     <p:extLst>
       <p:ext uri="{BB962C8B-B14F-4D97-AF65-F5344CB8AC3E}">
-        <p14:creationId xmlns:p14="http://schemas.microsoft.com/office/powerpoint/2010/main" val="4141373838"/>
+        <p14:creationId xmlns:p14="http://schemas.microsoft.com/office/powerpoint/2010/main" val="3345474808"/>
       </p:ext>
     </p:extLst>
   </p:cSld>
@@ -2159,7 +2159,7 @@
           <p:cNvPr id="2" name="标题 1">
             <a:extLst>
               <a:ext uri="{FF2B5EF4-FFF2-40B4-BE49-F238E27FC236}">
-                <a16:creationId xmlns:a16="http://schemas.microsoft.com/office/drawing/2014/main" id="{6178A18E-7839-BF14-5B19-CDBDBFB7ACFE}"/>
+                <a16:creationId xmlns:a16="http://schemas.microsoft.com/office/drawing/2014/main" id="{91062D26-5A56-DC6E-6624-68702462D7F9}"/>
               </a:ext>
             </a:extLst>
           </p:cNvPr>
@@ -2196,7 +2196,7 @@
           <p:cNvPr id="3" name="内容占位符 2">
             <a:extLst>
               <a:ext uri="{FF2B5EF4-FFF2-40B4-BE49-F238E27FC236}">
-                <a16:creationId xmlns:a16="http://schemas.microsoft.com/office/drawing/2014/main" id="{72F143D1-75B2-EAAF-5752-7E8B86E190B1}"/>
+                <a16:creationId xmlns:a16="http://schemas.microsoft.com/office/drawing/2014/main" id="{FFCC4BF2-EA98-35D8-AB2F-0AFB501EC0BC}"/>
               </a:ext>
             </a:extLst>
           </p:cNvPr>
@@ -2286,7 +2286,7 @@
           <p:cNvPr id="4" name="文本占位符 3">
             <a:extLst>
               <a:ext uri="{FF2B5EF4-FFF2-40B4-BE49-F238E27FC236}">
-                <a16:creationId xmlns:a16="http://schemas.microsoft.com/office/drawing/2014/main" id="{87149B4C-4431-E43E-35A6-863C66DAEC76}"/>
+                <a16:creationId xmlns:a16="http://schemas.microsoft.com/office/drawing/2014/main" id="{F9645E8F-9DB2-EE39-5F4C-0A5249CBC2E6}"/>
               </a:ext>
             </a:extLst>
           </p:cNvPr>
@@ -2357,7 +2357,7 @@
           <p:cNvPr id="5" name="日期占位符 4">
             <a:extLst>
               <a:ext uri="{FF2B5EF4-FFF2-40B4-BE49-F238E27FC236}">
-                <a16:creationId xmlns:a16="http://schemas.microsoft.com/office/drawing/2014/main" id="{E4E07C15-F463-1002-5378-4F7F1AD482A8}"/>
+                <a16:creationId xmlns:a16="http://schemas.microsoft.com/office/drawing/2014/main" id="{042D33DC-B62E-79BC-A594-E82FE66335F0}"/>
               </a:ext>
             </a:extLst>
           </p:cNvPr>
@@ -2373,7 +2373,7 @@
           <a:bodyPr/>
           <a:lstStyle/>
           <a:p>
-            <a:fld id="{26A4CC2D-D6F2-4EAB-BB01-5B03C644B92E}" type="datetimeFigureOut">
+            <a:fld id="{4E44E1E2-BF9E-4D1D-B0D3-4F9EEB209840}" type="datetimeFigureOut">
               <a:rPr lang="zh-CN" altLang="en-US" smtClean="0"/>
               <a:t>2024/3/10</a:t>
             </a:fld>
@@ -2386,7 +2386,7 @@
           <p:cNvPr id="6" name="页脚占位符 5">
             <a:extLst>
               <a:ext uri="{FF2B5EF4-FFF2-40B4-BE49-F238E27FC236}">
-                <a16:creationId xmlns:a16="http://schemas.microsoft.com/office/drawing/2014/main" id="{6FB1256C-A442-9618-4E5E-FA2E09D3BD8E}"/>
+                <a16:creationId xmlns:a16="http://schemas.microsoft.com/office/drawing/2014/main" id="{B7922AC0-C30A-359F-D34D-628ABDDDB6BA}"/>
               </a:ext>
             </a:extLst>
           </p:cNvPr>
@@ -2411,7 +2411,7 @@
           <p:cNvPr id="7" name="灯片编号占位符 6">
             <a:extLst>
               <a:ext uri="{FF2B5EF4-FFF2-40B4-BE49-F238E27FC236}">
-                <a16:creationId xmlns:a16="http://schemas.microsoft.com/office/drawing/2014/main" id="{005791CA-C8E3-E982-B366-F050948749F2}"/>
+                <a16:creationId xmlns:a16="http://schemas.microsoft.com/office/drawing/2014/main" id="{FC4FB2B1-2359-95A9-B59C-9E55BB10F904}"/>
               </a:ext>
             </a:extLst>
           </p:cNvPr>
@@ -2427,7 +2427,7 @@
           <a:bodyPr/>
           <a:lstStyle/>
           <a:p>
-            <a:fld id="{9403AB13-A3C3-4A68-8B25-D643BE0A320C}" type="slidenum">
+            <a:fld id="{A2E82DDB-7724-401E-AC08-F6F6A6371F26}" type="slidenum">
               <a:rPr lang="zh-CN" altLang="en-US" smtClean="0"/>
               <a:t>‹#›</a:t>
             </a:fld>
@@ -2438,7 +2438,7 @@
     </p:spTree>
     <p:extLst>
       <p:ext uri="{BB962C8B-B14F-4D97-AF65-F5344CB8AC3E}">
-        <p14:creationId xmlns:p14="http://schemas.microsoft.com/office/powerpoint/2010/main" val="4063416310"/>
+        <p14:creationId xmlns:p14="http://schemas.microsoft.com/office/powerpoint/2010/main" val="3795618873"/>
       </p:ext>
     </p:extLst>
   </p:cSld>
@@ -2470,7 +2470,7 @@
           <p:cNvPr id="2" name="标题 1">
             <a:extLst>
               <a:ext uri="{FF2B5EF4-FFF2-40B4-BE49-F238E27FC236}">
-                <a16:creationId xmlns:a16="http://schemas.microsoft.com/office/drawing/2014/main" id="{A312EE94-AA38-F102-936F-0725B0919958}"/>
+                <a16:creationId xmlns:a16="http://schemas.microsoft.com/office/drawing/2014/main" id="{8A689AC5-8D72-EAD9-396D-4F0BCE5D5BF8}"/>
               </a:ext>
             </a:extLst>
           </p:cNvPr>
@@ -2507,7 +2507,7 @@
           <p:cNvPr id="3" name="图片占位符 2">
             <a:extLst>
               <a:ext uri="{FF2B5EF4-FFF2-40B4-BE49-F238E27FC236}">
-                <a16:creationId xmlns:a16="http://schemas.microsoft.com/office/drawing/2014/main" id="{A04E6FDC-C98E-6EBC-B5A7-0E913E28C061}"/>
+                <a16:creationId xmlns:a16="http://schemas.microsoft.com/office/drawing/2014/main" id="{22382CAD-4E9B-2849-74DA-914334143401}"/>
               </a:ext>
             </a:extLst>
           </p:cNvPr>
@@ -2574,7 +2574,7 @@
           <p:cNvPr id="4" name="文本占位符 3">
             <a:extLst>
               <a:ext uri="{FF2B5EF4-FFF2-40B4-BE49-F238E27FC236}">
-                <a16:creationId xmlns:a16="http://schemas.microsoft.com/office/drawing/2014/main" id="{DD8AD5EC-00B4-7FF9-89D6-681F6906F784}"/>
+                <a16:creationId xmlns:a16="http://schemas.microsoft.com/office/drawing/2014/main" id="{A590C87E-5404-04D1-E11C-AB134CF2E44E}"/>
               </a:ext>
             </a:extLst>
           </p:cNvPr>
@@ -2645,7 +2645,7 @@
           <p:cNvPr id="5" name="日期占位符 4">
             <a:extLst>
               <a:ext uri="{FF2B5EF4-FFF2-40B4-BE49-F238E27FC236}">
-                <a16:creationId xmlns:a16="http://schemas.microsoft.com/office/drawing/2014/main" id="{739AE189-B065-2904-D041-BD86602B95C8}"/>
+                <a16:creationId xmlns:a16="http://schemas.microsoft.com/office/drawing/2014/main" id="{93719588-16A4-6891-0EB2-3CA2A79B57A9}"/>
               </a:ext>
             </a:extLst>
           </p:cNvPr>
@@ -2661,7 +2661,7 @@
           <a:bodyPr/>
           <a:lstStyle/>
           <a:p>
-            <a:fld id="{26A4CC2D-D6F2-4EAB-BB01-5B03C644B92E}" type="datetimeFigureOut">
+            <a:fld id="{4E44E1E2-BF9E-4D1D-B0D3-4F9EEB209840}" type="datetimeFigureOut">
               <a:rPr lang="zh-CN" altLang="en-US" smtClean="0"/>
               <a:t>2024/3/10</a:t>
             </a:fld>
@@ -2674,7 +2674,7 @@
           <p:cNvPr id="6" name="页脚占位符 5">
             <a:extLst>
               <a:ext uri="{FF2B5EF4-FFF2-40B4-BE49-F238E27FC236}">
-                <a16:creationId xmlns:a16="http://schemas.microsoft.com/office/drawing/2014/main" id="{31DDC9EE-C6AF-8748-ABFA-AC68D9CBDF7B}"/>
+                <a16:creationId xmlns:a16="http://schemas.microsoft.com/office/drawing/2014/main" id="{11E865D5-FFD8-B597-DC67-06CFCD08B226}"/>
               </a:ext>
             </a:extLst>
           </p:cNvPr>
@@ -2699,7 +2699,7 @@
           <p:cNvPr id="7" name="灯片编号占位符 6">
             <a:extLst>
               <a:ext uri="{FF2B5EF4-FFF2-40B4-BE49-F238E27FC236}">
-                <a16:creationId xmlns:a16="http://schemas.microsoft.com/office/drawing/2014/main" id="{99BA451F-1F22-AC65-F15E-B3FBCFBD77B4}"/>
+                <a16:creationId xmlns:a16="http://schemas.microsoft.com/office/drawing/2014/main" id="{CB93D3FC-B436-A18A-537B-5C82E32BA185}"/>
               </a:ext>
             </a:extLst>
           </p:cNvPr>
@@ -2715,7 +2715,7 @@
           <a:bodyPr/>
           <a:lstStyle/>
           <a:p>
-            <a:fld id="{9403AB13-A3C3-4A68-8B25-D643BE0A320C}" type="slidenum">
+            <a:fld id="{A2E82DDB-7724-401E-AC08-F6F6A6371F26}" type="slidenum">
               <a:rPr lang="zh-CN" altLang="en-US" smtClean="0"/>
               <a:t>‹#›</a:t>
             </a:fld>
@@ -2726,7 +2726,7 @@
     </p:spTree>
     <p:extLst>
       <p:ext uri="{BB962C8B-B14F-4D97-AF65-F5344CB8AC3E}">
-        <p14:creationId xmlns:p14="http://schemas.microsoft.com/office/powerpoint/2010/main" val="1956236462"/>
+        <p14:creationId xmlns:p14="http://schemas.microsoft.com/office/powerpoint/2010/main" val="660342539"/>
       </p:ext>
     </p:extLst>
   </p:cSld>
@@ -2763,7 +2763,7 @@
           <p:cNvPr id="2" name="标题占位符 1">
             <a:extLst>
               <a:ext uri="{FF2B5EF4-FFF2-40B4-BE49-F238E27FC236}">
-                <a16:creationId xmlns:a16="http://schemas.microsoft.com/office/drawing/2014/main" id="{C9133237-300E-651C-D70E-E75387EA0872}"/>
+                <a16:creationId xmlns:a16="http://schemas.microsoft.com/office/drawing/2014/main" id="{90AA567A-B831-74FE-1F47-67D176D875CF}"/>
               </a:ext>
             </a:extLst>
           </p:cNvPr>
@@ -2801,7 +2801,7 @@
           <p:cNvPr id="3" name="文本占位符 2">
             <a:extLst>
               <a:ext uri="{FF2B5EF4-FFF2-40B4-BE49-F238E27FC236}">
-                <a16:creationId xmlns:a16="http://schemas.microsoft.com/office/drawing/2014/main" id="{A321DC34-1A06-5BA7-D83B-9DFC097AA49A}"/>
+                <a16:creationId xmlns:a16="http://schemas.microsoft.com/office/drawing/2014/main" id="{2F75F19D-9FA7-7076-2B29-A655700A1066}"/>
               </a:ext>
             </a:extLst>
           </p:cNvPr>
@@ -2868,7 +2868,7 @@
           <p:cNvPr id="4" name="日期占位符 3">
             <a:extLst>
               <a:ext uri="{FF2B5EF4-FFF2-40B4-BE49-F238E27FC236}">
-                <a16:creationId xmlns:a16="http://schemas.microsoft.com/office/drawing/2014/main" id="{9C741CA7-4429-3582-75B3-36A0F4EFBFA4}"/>
+                <a16:creationId xmlns:a16="http://schemas.microsoft.com/office/drawing/2014/main" id="{29D7CA05-CDD0-A967-7DA6-59E1E5C10400}"/>
               </a:ext>
             </a:extLst>
           </p:cNvPr>
@@ -2902,7 +2902,7 @@
             </a:lvl1pPr>
           </a:lstStyle>
           <a:p>
-            <a:fld id="{26A4CC2D-D6F2-4EAB-BB01-5B03C644B92E}" type="datetimeFigureOut">
+            <a:fld id="{4E44E1E2-BF9E-4D1D-B0D3-4F9EEB209840}" type="datetimeFigureOut">
               <a:rPr lang="zh-CN" altLang="en-US" smtClean="0"/>
               <a:t>2024/3/10</a:t>
             </a:fld>
@@ -2915,7 +2915,7 @@
           <p:cNvPr id="5" name="页脚占位符 4">
             <a:extLst>
               <a:ext uri="{FF2B5EF4-FFF2-40B4-BE49-F238E27FC236}">
-                <a16:creationId xmlns:a16="http://schemas.microsoft.com/office/drawing/2014/main" id="{835B71AA-97D0-C080-5EA5-5F704E523686}"/>
+                <a16:creationId xmlns:a16="http://schemas.microsoft.com/office/drawing/2014/main" id="{552EDDFD-2434-C765-D50E-8893794A6611}"/>
               </a:ext>
             </a:extLst>
           </p:cNvPr>
@@ -2958,7 +2958,7 @@
           <p:cNvPr id="6" name="灯片编号占位符 5">
             <a:extLst>
               <a:ext uri="{FF2B5EF4-FFF2-40B4-BE49-F238E27FC236}">
-                <a16:creationId xmlns:a16="http://schemas.microsoft.com/office/drawing/2014/main" id="{9EB758A7-6867-3D1D-34F5-B337D993E32F}"/>
+                <a16:creationId xmlns:a16="http://schemas.microsoft.com/office/drawing/2014/main" id="{E004E661-5F30-2D4E-3001-9F9DE9B41CD2}"/>
               </a:ext>
             </a:extLst>
           </p:cNvPr>
@@ -2992,7 +2992,7 @@
             </a:lvl1pPr>
           </a:lstStyle>
           <a:p>
-            <a:fld id="{9403AB13-A3C3-4A68-8B25-D643BE0A320C}" type="slidenum">
+            <a:fld id="{A2E82DDB-7724-401E-AC08-F6F6A6371F26}" type="slidenum">
               <a:rPr lang="zh-CN" altLang="en-US" smtClean="0"/>
               <a:t>‹#›</a:t>
             </a:fld>
@@ -3003,7 +3003,7 @@
     </p:spTree>
     <p:extLst>
       <p:ext uri="{BB962C8B-B14F-4D97-AF65-F5344CB8AC3E}">
-        <p14:creationId xmlns:p14="http://schemas.microsoft.com/office/powerpoint/2010/main" val="1655344436"/>
+        <p14:creationId xmlns:p14="http://schemas.microsoft.com/office/powerpoint/2010/main" val="2405221356"/>
       </p:ext>
     </p:extLst>
   </p:cSld>
